--- a/weekly_report/group1/report_group1_week9.pptx
+++ b/weekly_report/group1/report_group1_week9.pptx
@@ -5,7 +5,7 @@
     <p:sldMasterId id="2147483648" r:id="rId1"/>
   </p:sldMasterIdLst>
   <p:notesMasterIdLst>
-    <p:notesMasterId r:id="rId10"/>
+    <p:notesMasterId r:id="rId11"/>
   </p:notesMasterIdLst>
   <p:sldIdLst>
     <p:sldId id="256" r:id="rId2"/>
@@ -15,7 +15,8 @@
     <p:sldId id="272" r:id="rId6"/>
     <p:sldId id="273" r:id="rId7"/>
     <p:sldId id="274" r:id="rId8"/>
-    <p:sldId id="269" r:id="rId9"/>
+    <p:sldId id="275" r:id="rId9"/>
+    <p:sldId id="276" r:id="rId10"/>
   </p:sldIdLst>
   <p:sldSz cx="12192000" cy="6858000"/>
   <p:notesSz cx="6858000" cy="9144000"/>
@@ -6151,15 +6152,7 @@
           <a:p>
             <a:r>
               <a:rPr kumimoji="1" lang="en-US" altLang="zh-CN" dirty="0" smtClean="0"/>
-              <a:t>Group 1 Week </a:t>
-            </a:r>
-            <a:r>
-              <a:rPr kumimoji="1" lang="en-US" altLang="zh-CN" dirty="0" smtClean="0"/>
-              <a:t>9 </a:t>
-            </a:r>
-            <a:r>
-              <a:rPr kumimoji="1" lang="en-US" altLang="zh-CN" dirty="0" smtClean="0"/>
-              <a:t>report</a:t>
+              <a:t>Group 1 Week 9 report</a:t>
             </a:r>
             <a:endParaRPr kumimoji="1" lang="zh-CN" altLang="en-US" dirty="0"/>
           </a:p>
@@ -6230,7 +6223,7 @@
           <p:cNvPr id="4" name="标题 1">
             <a:extLst>
               <a:ext uri="{FF2B5EF4-FFF2-40B4-BE49-F238E27FC236}">
-                <a16:creationId xmlns="" xmlns:a16="http://schemas.microsoft.com/office/drawing/2014/main" id="{54B98C10-00C8-42FD-A341-5CF67D9F4E8F}"/>
+                <a16:creationId xmlns:a16="http://schemas.microsoft.com/office/drawing/2014/main" xmlns="" id="{54B98C10-00C8-42FD-A341-5CF67D9F4E8F}"/>
               </a:ext>
             </a:extLst>
           </p:cNvPr>
@@ -6330,10 +6323,6 @@
             </a:lvl9pPr>
           </a:lstStyle>
           <a:p>
-            <a:r>
-              <a:rPr lang="zh-CN" altLang="en-US" sz="4000" dirty="0" smtClean="0"/>
-              <a:t>逻辑模型</a:t>
-            </a:r>
             <a:endParaRPr lang="zh-CN" altLang="en-US" sz="4000" dirty="0"/>
           </a:p>
         </p:txBody>
@@ -6343,7 +6332,7 @@
           <p:cNvPr id="5" name="内容占位符 2">
             <a:extLst>
               <a:ext uri="{FF2B5EF4-FFF2-40B4-BE49-F238E27FC236}">
-                <a16:creationId xmlns="" xmlns:a16="http://schemas.microsoft.com/office/drawing/2014/main" id="{291C9CBE-081C-450E-8235-BB44A1C88D0D}"/>
+                <a16:creationId xmlns:a16="http://schemas.microsoft.com/office/drawing/2014/main" xmlns="" id="{291C9CBE-081C-450E-8235-BB44A1C88D0D}"/>
               </a:ext>
             </a:extLst>
           </p:cNvPr>
@@ -6354,7 +6343,7 @@
         </p:nvSpPr>
         <p:spPr>
           <a:xfrm>
-            <a:off x="741381" y="1519201"/>
+            <a:off x="741381" y="1906478"/>
             <a:ext cx="10515600" cy="4351338"/>
           </a:xfrm>
           <a:prstGeom prst="rect">
@@ -6576,10 +6565,9 @@
           </a:lstStyle>
           <a:p>
             <a:r>
-              <a:rPr lang="zh-CN" altLang="en-US" dirty="0" smtClean="0"/>
-              <a:t>输入</a:t>
-            </a:r>
-            <a:endParaRPr lang="en-US" altLang="zh-CN" dirty="0" smtClean="0"/>
+              <a:rPr lang="en-US" altLang="zh-CN" dirty="0" smtClean="0"/>
+              <a:t>Input</a:t>
+            </a:r>
           </a:p>
           <a:p>
             <a:pPr lvl="1"/>
@@ -6600,11 +6588,7 @@
             <a:pPr lvl="1"/>
             <a:r>
               <a:rPr lang="en-US" altLang="zh-CN" sz="1800" dirty="0" smtClean="0"/>
-              <a:t>Nand2tetris </a:t>
-            </a:r>
-            <a:r>
-              <a:rPr lang="zh-CN" altLang="en-US" sz="1800" dirty="0" smtClean="0"/>
-              <a:t>网站</a:t>
+              <a:t>ANTLR</a:t>
             </a:r>
             <a:endParaRPr lang="en-US" altLang="zh-CN" sz="1800" dirty="0"/>
           </a:p>
@@ -6612,145 +6596,118 @@
             <a:pPr lvl="1"/>
             <a:r>
               <a:rPr lang="en-US" altLang="zh-CN" sz="1800" dirty="0" smtClean="0"/>
-              <a:t>Introduction to Algorithms</a:t>
-            </a:r>
-          </a:p>
-          <a:p>
-            <a:r>
-              <a:rPr lang="zh-CN" altLang="en-US" dirty="0" smtClean="0"/>
-              <a:t>输出</a:t>
-            </a:r>
-            <a:endParaRPr lang="en-US" altLang="zh-CN" dirty="0" smtClean="0"/>
+              <a:t>Mathematica</a:t>
+            </a:r>
+          </a:p>
+          <a:p>
+            <a:r>
+              <a:rPr lang="en-US" altLang="zh-CN" dirty="0" smtClean="0"/>
+              <a:t>Output</a:t>
+            </a:r>
           </a:p>
           <a:p>
             <a:pPr lvl="1"/>
             <a:r>
               <a:rPr lang="en-US" altLang="zh-CN" sz="1800" dirty="0" smtClean="0"/>
-              <a:t>Project10</a:t>
-            </a:r>
-            <a:r>
-              <a:rPr lang="zh-CN" altLang="en-US" sz="1800" dirty="0" smtClean="0"/>
-              <a:t> 、</a:t>
-            </a:r>
+              <a:t>An example in ANTLR</a:t>
+            </a:r>
+          </a:p>
+          <a:p>
+            <a:pPr lvl="1"/>
             <a:r>
               <a:rPr lang="en-US" altLang="zh-CN" sz="1800" dirty="0" smtClean="0"/>
-              <a:t>12</a:t>
-            </a:r>
-            <a:r>
-              <a:rPr lang="zh-CN" altLang="en-US" sz="1800" dirty="0" smtClean="0"/>
-              <a:t>作业</a:t>
+              <a:t>Reports</a:t>
+            </a:r>
+          </a:p>
+          <a:p>
+            <a:r>
+              <a:rPr lang="en-US" altLang="zh-CN" dirty="0" smtClean="0"/>
+              <a:t>Progress</a:t>
+            </a:r>
+          </a:p>
+          <a:p>
+            <a:pPr lvl="1"/>
+            <a:r>
+              <a:rPr lang="en-US" altLang="zh-CN" sz="1800" dirty="0" smtClean="0"/>
+              <a:t>Try to </a:t>
+            </a:r>
+            <a:r>
+              <a:rPr lang="en-US" altLang="zh-CN" sz="1800" smtClean="0"/>
+              <a:t>use </a:t>
+            </a:r>
+            <a:r>
+              <a:rPr lang="en-US" altLang="zh-CN" sz="1800" smtClean="0"/>
+              <a:t>Mathematica</a:t>
             </a:r>
             <a:endParaRPr lang="en-US" altLang="zh-CN" sz="1800" dirty="0" smtClean="0"/>
           </a:p>
           <a:p>
             <a:pPr lvl="1"/>
             <a:r>
-              <a:rPr lang="zh-CN" altLang="en-US" sz="1800" dirty="0" smtClean="0"/>
-              <a:t>基本的</a:t>
-            </a:r>
-            <a:r>
-              <a:rPr lang="en-US" altLang="zh-CN" sz="1800" dirty="0" err="1" smtClean="0"/>
-              <a:t>Tensorflow</a:t>
-            </a:r>
-            <a:r>
-              <a:rPr lang="zh-CN" altLang="en-US" sz="1800" dirty="0" smtClean="0"/>
-              <a:t>搭建使用</a:t>
-            </a:r>
-            <a:endParaRPr lang="en-US" altLang="zh-CN" sz="1800" dirty="0" smtClean="0"/>
+              <a:rPr lang="en-US" altLang="zh-CN" sz="1800" dirty="0" smtClean="0"/>
+              <a:t>Implement an arithmetic parser</a:t>
+            </a:r>
+          </a:p>
+          <a:p>
+            <a:r>
+              <a:rPr lang="en-US" altLang="zh-CN" dirty="0" smtClean="0"/>
+              <a:t>Effect</a:t>
+            </a:r>
           </a:p>
           <a:p>
             <a:pPr lvl="1"/>
             <a:r>
-              <a:rPr lang="zh-CN" altLang="en-US" sz="1800" dirty="0" smtClean="0"/>
-              <a:t>用不同的数据结构实现栈</a:t>
-            </a:r>
-            <a:endParaRPr lang="en-US" altLang="zh-CN" sz="1800" dirty="0" smtClean="0"/>
-          </a:p>
-          <a:p>
-            <a:r>
-              <a:rPr lang="zh-CN" altLang="en-US" dirty="0" smtClean="0"/>
-              <a:t>过程</a:t>
-            </a:r>
-            <a:endParaRPr lang="en-US" altLang="zh-CN" dirty="0" smtClean="0"/>
+              <a:rPr lang="en-US" altLang="zh-CN" dirty="0" smtClean="0"/>
+              <a:t>Find two ways to parse</a:t>
+            </a:r>
           </a:p>
           <a:p>
             <a:pPr lvl="1"/>
             <a:r>
-              <a:rPr lang="zh-CN" altLang="en-US" sz="1800" dirty="0" smtClean="0"/>
-              <a:t>继续编写</a:t>
-            </a:r>
-            <a:r>
-              <a:rPr lang="en-US" altLang="zh-CN" sz="1800" dirty="0" smtClean="0"/>
-              <a:t>Lex</a:t>
-            </a:r>
-            <a:r>
-              <a:rPr lang="zh-CN" altLang="en-US" sz="1800" dirty="0" smtClean="0"/>
-              <a:t>代码，调整细节</a:t>
-            </a:r>
-            <a:endParaRPr lang="en-US" altLang="zh-CN" sz="1800" dirty="0" smtClean="0"/>
+              <a:rPr lang="en-US" altLang="zh-CN" dirty="0" smtClean="0"/>
+              <a:t>Learn Mathematica</a:t>
+            </a:r>
           </a:p>
           <a:p>
             <a:pPr lvl="1"/>
             <a:r>
-              <a:rPr lang="zh-CN" altLang="en-US" sz="1800" dirty="0" smtClean="0"/>
-              <a:t>编写</a:t>
-            </a:r>
-            <a:r>
-              <a:rPr lang="en-US" altLang="zh-CN" sz="1800" dirty="0" smtClean="0"/>
-              <a:t>Project12</a:t>
-            </a:r>
-            <a:r>
-              <a:rPr lang="zh-CN" altLang="en-US" sz="1800" dirty="0" smtClean="0"/>
-              <a:t>中的</a:t>
-            </a:r>
-            <a:r>
-              <a:rPr lang="en-US" altLang="zh-CN" sz="1800" dirty="0" smtClean="0"/>
-              <a:t>Screen</a:t>
-            </a:r>
-            <a:r>
-              <a:rPr lang="zh-CN" altLang="en-US" sz="1800" dirty="0" smtClean="0"/>
-              <a:t>类</a:t>
-            </a:r>
-            <a:endParaRPr lang="en-US" altLang="zh-CN" sz="1800" dirty="0" smtClean="0"/>
+              <a:rPr lang="en-US" altLang="zh-CN" dirty="0" smtClean="0"/>
+              <a:t>Better understanding of category theory</a:t>
+            </a:r>
           </a:p>
           <a:p>
             <a:pPr lvl="1"/>
-            <a:r>
-              <a:rPr lang="zh-CN" altLang="en-US" sz="1800" dirty="0" smtClean="0"/>
-              <a:t>学习数据结构</a:t>
-            </a:r>
-            <a:endParaRPr lang="en-US" altLang="zh-CN" sz="1800" dirty="0" smtClean="0"/>
-          </a:p>
-          <a:p>
-            <a:r>
-              <a:rPr lang="zh-CN" altLang="en-US" dirty="0" smtClean="0"/>
-              <a:t>效果</a:t>
-            </a:r>
-            <a:endParaRPr lang="en-US" altLang="zh-CN" dirty="0" smtClean="0"/>
-          </a:p>
-          <a:p>
-            <a:pPr lvl="1"/>
-            <a:r>
-              <a:rPr lang="zh-CN" altLang="en-US" sz="1800" dirty="0" smtClean="0"/>
-              <a:t>对</a:t>
-            </a:r>
-            <a:r>
-              <a:rPr lang="en-US" altLang="zh-CN" sz="1800" dirty="0" smtClean="0"/>
-              <a:t>OS</a:t>
-            </a:r>
-            <a:r>
-              <a:rPr lang="zh-CN" altLang="en-US" sz="1800" dirty="0" smtClean="0"/>
-              <a:t>的实现过程有了更深入的理解</a:t>
-            </a:r>
-            <a:endParaRPr lang="en-US" altLang="zh-CN" sz="1800" dirty="0" smtClean="0"/>
-          </a:p>
-          <a:p>
-            <a:pPr lvl="1"/>
-            <a:r>
-              <a:rPr lang="zh-CN" altLang="en-US" sz="1800" dirty="0" smtClean="0"/>
-              <a:t>能在不同限制下用合理的方法实现栈</a:t>
-            </a:r>
             <a:endParaRPr lang="zh-CN" altLang="en-US" sz="1800" dirty="0"/>
+          </a:p>
+        </p:txBody>
+      </p:sp>
+      <p:sp>
+        <p:nvSpPr>
+          <p:cNvPr id="2" name="文本框 1"/>
+          <p:cNvSpPr txBox="1"/>
+          <p:nvPr/>
+        </p:nvSpPr>
+        <p:spPr>
+          <a:xfrm>
+            <a:off x="741381" y="236668"/>
+            <a:ext cx="4980791" cy="738664"/>
+          </a:xfrm>
+          <a:prstGeom prst="rect">
+            <a:avLst/>
+          </a:prstGeom>
+          <a:noFill/>
+        </p:spPr>
+        <p:txBody>
+          <a:bodyPr wrap="square" rtlCol="0">
+            <a:spAutoFit/>
+          </a:bodyPr>
+          <a:lstStyle/>
+          <a:p>
+            <a:r>
+              <a:rPr kumimoji="1" lang="en-US" altLang="zh-CN" sz="4200" smtClean="0"/>
+              <a:t>Logic Model</a:t>
+            </a:r>
+            <a:endParaRPr kumimoji="1" lang="zh-CN" altLang="en-US" sz="4200" dirty="0"/>
           </a:p>
         </p:txBody>
       </p:sp>
@@ -6796,7 +6753,7 @@
           <p:cNvPr id="4" name="标题 1">
             <a:extLst>
               <a:ext uri="{FF2B5EF4-FFF2-40B4-BE49-F238E27FC236}">
-                <a16:creationId xmlns="" xmlns:a16="http://schemas.microsoft.com/office/drawing/2014/main" id="{54B98C10-00C8-42FD-A341-5CF67D9F4E8F}"/>
+                <a16:creationId xmlns:a16="http://schemas.microsoft.com/office/drawing/2014/main" xmlns="" id="{54B98C10-00C8-42FD-A341-5CF67D9F4E8F}"/>
               </a:ext>
             </a:extLst>
           </p:cNvPr>
@@ -7073,7 +7030,7 @@
           <p:cNvPr id="4" name="标题 1">
             <a:extLst>
               <a:ext uri="{FF2B5EF4-FFF2-40B4-BE49-F238E27FC236}">
-                <a16:creationId xmlns="" xmlns:a16="http://schemas.microsoft.com/office/drawing/2014/main" id="{54B98C10-00C8-42FD-A341-5CF67D9F4E8F}"/>
+                <a16:creationId xmlns:a16="http://schemas.microsoft.com/office/drawing/2014/main" xmlns="" id="{54B98C10-00C8-42FD-A341-5CF67D9F4E8F}"/>
               </a:ext>
             </a:extLst>
           </p:cNvPr>
@@ -7331,7 +7288,7 @@
           <p:cNvPr id="4" name="标题 1">
             <a:extLst>
               <a:ext uri="{FF2B5EF4-FFF2-40B4-BE49-F238E27FC236}">
-                <a16:creationId xmlns="" xmlns:a16="http://schemas.microsoft.com/office/drawing/2014/main" id="{54B98C10-00C8-42FD-A341-5CF67D9F4E8F}"/>
+                <a16:creationId xmlns:a16="http://schemas.microsoft.com/office/drawing/2014/main" xmlns="" id="{54B98C10-00C8-42FD-A341-5CF67D9F4E8F}"/>
               </a:ext>
             </a:extLst>
           </p:cNvPr>
@@ -7448,8 +7405,8 @@
         </p:nvSpPr>
         <p:spPr>
           <a:xfrm>
-            <a:off x="1036321" y="2455116"/>
-            <a:ext cx="4984376" cy="1569660"/>
+            <a:off x="1079350" y="1927991"/>
+            <a:ext cx="7634343" cy="2554545"/>
           </a:xfrm>
           <a:prstGeom prst="rect">
             <a:avLst/>
@@ -7461,6 +7418,26 @@
             <a:spAutoFit/>
           </a:bodyPr>
           <a:lstStyle/>
+          <a:p>
+            <a:pPr marL="285750" indent="-285750">
+              <a:buFont typeface="Arial" charset="0"/>
+              <a:buChar char="•"/>
+            </a:pPr>
+            <a:r>
+              <a:rPr kumimoji="1" lang="en-US" altLang="zh-CN" sz="3200" dirty="0" smtClean="0"/>
+              <a:t>Another Tool for Language Recognition</a:t>
+            </a:r>
+          </a:p>
+          <a:p>
+            <a:pPr marL="285750" indent="-285750">
+              <a:buFont typeface="Arial" charset="0"/>
+              <a:buChar char="•"/>
+            </a:pPr>
+            <a:r>
+              <a:rPr kumimoji="1" lang="en-US" altLang="zh-CN" sz="3200" dirty="0" smtClean="0"/>
+              <a:t>Implemented in JAVA</a:t>
+            </a:r>
+          </a:p>
           <a:p>
             <a:pPr marL="285750" indent="-285750">
               <a:buFont typeface="Arial" charset="0"/>
@@ -7529,7 +7506,7 @@
           <p:cNvPr id="4" name="标题 1">
             <a:extLst>
               <a:ext uri="{FF2B5EF4-FFF2-40B4-BE49-F238E27FC236}">
-                <a16:creationId xmlns="" xmlns:a16="http://schemas.microsoft.com/office/drawing/2014/main" id="{54B98C10-00C8-42FD-A341-5CF67D9F4E8F}"/>
+                <a16:creationId xmlns:a16="http://schemas.microsoft.com/office/drawing/2014/main" xmlns="" id="{54B98C10-00C8-42FD-A341-5CF67D9F4E8F}"/>
               </a:ext>
             </a:extLst>
           </p:cNvPr>
@@ -7737,7 +7714,7 @@
           <p:cNvPr id="4" name="标题 1">
             <a:extLst>
               <a:ext uri="{FF2B5EF4-FFF2-40B4-BE49-F238E27FC236}">
-                <a16:creationId xmlns="" xmlns:a16="http://schemas.microsoft.com/office/drawing/2014/main" id="{54B98C10-00C8-42FD-A341-5CF67D9F4E8F}"/>
+                <a16:creationId xmlns:a16="http://schemas.microsoft.com/office/drawing/2014/main" xmlns="" id="{54B98C10-00C8-42FD-A341-5CF67D9F4E8F}"/>
               </a:ext>
             </a:extLst>
           </p:cNvPr>
@@ -7855,7 +7832,7 @@
         <p:spPr>
           <a:xfrm>
             <a:off x="6526305" y="4768008"/>
-            <a:ext cx="5500744" cy="1077218"/>
+            <a:ext cx="5500744" cy="1569660"/>
           </a:xfrm>
           <a:prstGeom prst="rect">
             <a:avLst/>
@@ -7885,6 +7862,16 @@
             <a:r>
               <a:rPr kumimoji="1" lang="en-US" altLang="zh-CN" sz="3200" dirty="0" smtClean="0"/>
               <a:t>A huge “Regular Expression”</a:t>
+            </a:r>
+          </a:p>
+          <a:p>
+            <a:pPr marL="285750" indent="-285750">
+              <a:buFont typeface="Arial" charset="0"/>
+              <a:buChar char="•"/>
+            </a:pPr>
+            <a:r>
+              <a:rPr kumimoji="1" lang="en-US" altLang="zh-CN" sz="3200" dirty="0" smtClean="0"/>
+              <a:t>Depth-First Search</a:t>
             </a:r>
             <a:endParaRPr kumimoji="1" lang="zh-CN" altLang="en-US" sz="3200" dirty="0"/>
           </a:p>
@@ -7930,6 +7917,13 @@
   <p:clrMapOvr>
     <a:masterClrMapping/>
   </p:clrMapOvr>
+  <p:timing>
+    <p:tnLst>
+      <p:par>
+        <p:cTn id="1" dur="indefinite" restart="never" nodeType="tmRoot"/>
+      </p:par>
+    </p:tnLst>
+  </p:timing>
 </p:sld>
 </file>
 
@@ -7952,253 +7946,263 @@
       </p:grpSpPr>
       <p:sp>
         <p:nvSpPr>
-          <p:cNvPr id="2" name="标题 1">
+          <p:cNvPr id="4" name="标题 1">
             <a:extLst>
               <a:ext uri="{FF2B5EF4-FFF2-40B4-BE49-F238E27FC236}">
-                <a16:creationId xmlns:a16="http://schemas.microsoft.com/office/drawing/2014/main" xmlns="" id="{7EE02F5F-94C2-444B-9AAB-0B2A310D379D}"/>
+                <a16:creationId xmlns:a16="http://schemas.microsoft.com/office/drawing/2014/main" xmlns="" id="{54B98C10-00C8-42FD-A341-5CF67D9F4E8F}"/>
               </a:ext>
             </a:extLst>
           </p:cNvPr>
-          <p:cNvSpPr>
-            <a:spLocks noGrp="1"/>
-          </p:cNvSpPr>
-          <p:nvPr>
-            <p:ph type="title"/>
-          </p:nvPr>
-        </p:nvSpPr>
-        <p:spPr>
-          <a:xfrm>
-            <a:off x="677334" y="125506"/>
-            <a:ext cx="8596668" cy="686463"/>
-          </a:xfrm>
-        </p:spPr>
-        <p:txBody>
-          <a:bodyPr/>
-          <a:lstStyle/>
-          <a:p>
-            <a:r>
-              <a:rPr lang="en-US" altLang="zh-CN" dirty="0"/>
-              <a:t>Project 10</a:t>
-            </a:r>
-            <a:r>
-              <a:rPr lang="zh-CN" altLang="en-US" dirty="0"/>
-              <a:t>大纲</a:t>
-            </a:r>
-          </a:p>
-        </p:txBody>
-      </p:sp>
-      <p:sp>
-        <p:nvSpPr>
-          <p:cNvPr id="3" name="内容占位符 2">
+          <p:cNvSpPr txBox="1">
+            <a:spLocks/>
+          </p:cNvSpPr>
+          <p:nvPr/>
+        </p:nvSpPr>
+        <p:spPr>
+          <a:xfrm>
+            <a:off x="762897" y="-322730"/>
+            <a:ext cx="10515600" cy="1325563"/>
+          </a:xfrm>
+          <a:prstGeom prst="rect">
+            <a:avLst/>
+          </a:prstGeom>
+          <a:effectLst/>
+        </p:spPr>
+        <p:txBody>
+          <a:bodyPr vert="horz" lIns="91440" tIns="45720" rIns="91440" bIns="45720" rtlCol="0" anchor="ctr">
+            <a:normAutofit/>
+          </a:bodyPr>
+          <a:lstStyle>
+            <a:lvl1pPr algn="l" defTabSz="457200" rtl="0" eaLnBrk="1" latinLnBrk="0" hangingPunct="1">
+              <a:spcBef>
+                <a:spcPct val="0"/>
+              </a:spcBef>
+              <a:buNone/>
+              <a:defRPr sz="3600" kern="1200" cap="all">
+                <a:ln w="3175" cmpd="sng">
+                  <a:noFill/>
+                </a:ln>
+                <a:solidFill>
+                  <a:schemeClr val="tx1"/>
+                </a:solidFill>
+                <a:effectLst/>
+                <a:latin typeface="+mj-lt"/>
+                <a:ea typeface="+mj-ea"/>
+                <a:cs typeface="+mj-cs"/>
+              </a:defRPr>
+            </a:lvl1pPr>
+            <a:lvl2pPr eaLnBrk="1" hangingPunct="1">
+              <a:defRPr>
+                <a:solidFill>
+                  <a:schemeClr val="tx2"/>
+                </a:solidFill>
+              </a:defRPr>
+            </a:lvl2pPr>
+            <a:lvl3pPr eaLnBrk="1" hangingPunct="1">
+              <a:defRPr>
+                <a:solidFill>
+                  <a:schemeClr val="tx2"/>
+                </a:solidFill>
+              </a:defRPr>
+            </a:lvl3pPr>
+            <a:lvl4pPr eaLnBrk="1" hangingPunct="1">
+              <a:defRPr>
+                <a:solidFill>
+                  <a:schemeClr val="tx2"/>
+                </a:solidFill>
+              </a:defRPr>
+            </a:lvl4pPr>
+            <a:lvl5pPr eaLnBrk="1" hangingPunct="1">
+              <a:defRPr>
+                <a:solidFill>
+                  <a:schemeClr val="tx2"/>
+                </a:solidFill>
+              </a:defRPr>
+            </a:lvl5pPr>
+            <a:lvl6pPr eaLnBrk="1" hangingPunct="1">
+              <a:defRPr>
+                <a:solidFill>
+                  <a:schemeClr val="tx2"/>
+                </a:solidFill>
+              </a:defRPr>
+            </a:lvl6pPr>
+            <a:lvl7pPr eaLnBrk="1" hangingPunct="1">
+              <a:defRPr>
+                <a:solidFill>
+                  <a:schemeClr val="tx2"/>
+                </a:solidFill>
+              </a:defRPr>
+            </a:lvl7pPr>
+            <a:lvl8pPr eaLnBrk="1" hangingPunct="1">
+              <a:defRPr>
+                <a:solidFill>
+                  <a:schemeClr val="tx2"/>
+                </a:solidFill>
+              </a:defRPr>
+            </a:lvl8pPr>
+            <a:lvl9pPr eaLnBrk="1" hangingPunct="1">
+              <a:defRPr>
+                <a:solidFill>
+                  <a:schemeClr val="tx2"/>
+                </a:solidFill>
+              </a:defRPr>
+            </a:lvl9pPr>
+          </a:lstStyle>
+          <a:p>
+            <a:pPr algn="ctr"/>
+            <a:r>
+              <a:rPr lang="en-US" altLang="zh-CN" sz="4800" dirty="0" smtClean="0"/>
+              <a:t>Input &amp; output</a:t>
+            </a:r>
+            <a:endParaRPr lang="zh-CN" altLang="en-US" sz="4800" dirty="0"/>
+          </a:p>
+        </p:txBody>
+      </p:sp>
+      <p:pic>
+        <p:nvPicPr>
+          <p:cNvPr id="2" name="图片 1"/>
+          <p:cNvPicPr>
+            <a:picLocks noChangeAspect="1"/>
+          </p:cNvPicPr>
+          <p:nvPr/>
+        </p:nvPicPr>
+        <p:blipFill>
+          <a:blip r:embed="rId2">
             <a:extLst>
-              <a:ext uri="{FF2B5EF4-FFF2-40B4-BE49-F238E27FC236}">
-                <a16:creationId xmlns:a16="http://schemas.microsoft.com/office/drawing/2014/main" xmlns="" id="{E4FDE34C-7D1B-4B5B-AA8F-87580069FE83}"/>
+              <a:ext uri="{28A0092B-C50C-407E-A947-70E740481C1C}">
+                <a14:useLocalDpi xmlns:a14="http://schemas.microsoft.com/office/drawing/2010/main" val="0"/>
               </a:ext>
             </a:extLst>
-          </p:cNvPr>
-          <p:cNvSpPr>
-            <a:spLocks noGrp="1"/>
-          </p:cNvSpPr>
-          <p:nvPr>
-            <p:ph idx="1"/>
-          </p:nvPr>
-        </p:nvSpPr>
-        <p:spPr>
-          <a:xfrm>
-            <a:off x="677334" y="1296063"/>
-            <a:ext cx="8596668" cy="4745299"/>
-          </a:xfrm>
-        </p:spPr>
-        <p:txBody>
-          <a:bodyPr>
-            <a:noAutofit/>
-          </a:bodyPr>
-          <a:lstStyle/>
-          <a:p>
-            <a:r>
-              <a:rPr lang="zh-CN" altLang="en-US" sz="1500" dirty="0"/>
-              <a:t>设计合约</a:t>
-            </a:r>
-            <a:endParaRPr lang="en-US" altLang="zh-CN" sz="1500" dirty="0"/>
-          </a:p>
-          <a:p>
-            <a:pPr lvl="1"/>
-            <a:r>
-              <a:rPr lang="en-US" altLang="zh-CN" sz="1500" dirty="0"/>
-              <a:t>Tokenize</a:t>
-            </a:r>
-          </a:p>
-          <a:p>
-            <a:pPr lvl="1"/>
-            <a:r>
-              <a:rPr lang="en-US" altLang="zh-CN" sz="1500" dirty="0"/>
-              <a:t>parse</a:t>
-            </a:r>
-            <a:r>
-              <a:rPr lang="zh-CN" altLang="en-US" sz="1500" dirty="0"/>
-              <a:t>（有一套严格的合约规定）</a:t>
-            </a:r>
-            <a:endParaRPr lang="en-US" altLang="zh-CN" sz="1500" dirty="0"/>
-          </a:p>
-          <a:p>
-            <a:r>
-              <a:rPr lang="zh-CN" altLang="en-US" sz="1500" dirty="0"/>
-              <a:t>什么是正则表达式？ </a:t>
-            </a:r>
-            <a:endParaRPr lang="en-US" altLang="zh-CN" sz="1500" dirty="0"/>
-          </a:p>
-          <a:p>
-            <a:pPr lvl="1"/>
-            <a:r>
-              <a:rPr lang="zh-CN" altLang="en-US" sz="1500" dirty="0"/>
-              <a:t>定义</a:t>
-            </a:r>
-            <a:endParaRPr lang="en-US" altLang="zh-CN" sz="1500" dirty="0"/>
-          </a:p>
-          <a:p>
-            <a:pPr lvl="1"/>
-            <a:r>
-              <a:rPr lang="zh-CN" altLang="en-US" sz="1500" dirty="0"/>
-              <a:t>具体的例子（这里只需要简单的例子，因为</a:t>
-            </a:r>
-            <a:r>
-              <a:rPr lang="en-US" altLang="zh-CN" sz="1500" dirty="0"/>
-              <a:t>tokenize</a:t>
-            </a:r>
-            <a:r>
-              <a:rPr lang="zh-CN" altLang="en-US" sz="1500" dirty="0"/>
-              <a:t>和</a:t>
-            </a:r>
-            <a:r>
-              <a:rPr lang="en-US" altLang="zh-CN" sz="1500" dirty="0"/>
-              <a:t>parse</a:t>
-            </a:r>
-            <a:r>
-              <a:rPr lang="zh-CN" altLang="en-US" sz="1500" dirty="0"/>
-              <a:t>中，只需要处理</a:t>
-            </a:r>
-            <a:r>
-              <a:rPr lang="en-US" altLang="zh-CN" sz="1500" dirty="0"/>
-              <a:t>Jack</a:t>
-            </a:r>
-            <a:r>
-              <a:rPr lang="zh-CN" altLang="en-US" sz="1500" dirty="0"/>
-              <a:t>语言中有限的关键词）</a:t>
-            </a:r>
-            <a:endParaRPr lang="en-US" altLang="zh-CN" sz="1500" dirty="0"/>
-          </a:p>
-          <a:p>
-            <a:r>
-              <a:rPr lang="zh-CN" altLang="en-US" sz="1500" dirty="0"/>
-              <a:t>什么是</a:t>
-            </a:r>
-            <a:r>
-              <a:rPr lang="en-US" altLang="zh-CN" sz="1500" dirty="0"/>
-              <a:t>Lex</a:t>
-            </a:r>
-            <a:r>
-              <a:rPr lang="zh-CN" altLang="en-US" sz="1500" dirty="0"/>
-              <a:t>？</a:t>
-            </a:r>
-            <a:endParaRPr lang="en-US" altLang="zh-CN" sz="1500" dirty="0"/>
-          </a:p>
-          <a:p>
-            <a:pPr lvl="1"/>
-            <a:r>
-              <a:rPr lang="zh-CN" altLang="en-US" sz="1500" dirty="0"/>
-              <a:t>它和</a:t>
-            </a:r>
-            <a:r>
-              <a:rPr lang="en-US" altLang="zh-CN" sz="1500" dirty="0"/>
-              <a:t>C</a:t>
-            </a:r>
-            <a:r>
-              <a:rPr lang="zh-CN" altLang="en-US" sz="1500" dirty="0"/>
-              <a:t>语言的联系</a:t>
-            </a:r>
-            <a:endParaRPr lang="en-US" altLang="zh-CN" sz="1500" dirty="0"/>
-          </a:p>
-          <a:p>
-            <a:pPr lvl="1"/>
-            <a:r>
-              <a:rPr lang="zh-CN" altLang="en-US" sz="1500" dirty="0"/>
-              <a:t>自身的逻辑结构</a:t>
-            </a:r>
-            <a:endParaRPr lang="en-US" altLang="zh-CN" sz="1500" dirty="0"/>
-          </a:p>
-          <a:p>
-            <a:pPr lvl="1"/>
-            <a:r>
-              <a:rPr lang="zh-CN" altLang="en-US" sz="1500" dirty="0"/>
-              <a:t>顺序读取一遍的特点</a:t>
-            </a:r>
-            <a:endParaRPr lang="en-US" altLang="zh-CN" sz="1500" dirty="0"/>
-          </a:p>
-          <a:p>
-            <a:r>
-              <a:rPr lang="zh-CN" altLang="en-US" sz="1500" dirty="0"/>
-              <a:t>一个简单的例子</a:t>
-            </a:r>
-            <a:endParaRPr lang="en-US" altLang="zh-CN" sz="1500" dirty="0"/>
-          </a:p>
-          <a:p>
-            <a:r>
-              <a:rPr lang="zh-CN" altLang="en-US" sz="1500" dirty="0"/>
-              <a:t>栈</a:t>
-            </a:r>
-            <a:endParaRPr lang="en-US" altLang="zh-CN" sz="1500" dirty="0"/>
-          </a:p>
-          <a:p>
-            <a:pPr lvl="1"/>
-            <a:r>
-              <a:rPr lang="zh-CN" altLang="en-US" sz="1500" dirty="0"/>
-              <a:t>先进后出的数据结构</a:t>
-            </a:r>
-            <a:endParaRPr lang="en-US" altLang="zh-CN" sz="1500" dirty="0"/>
-          </a:p>
-          <a:p>
-            <a:pPr lvl="1"/>
-            <a:r>
-              <a:rPr lang="zh-CN" altLang="en-US" sz="1500" dirty="0"/>
-              <a:t>和编译的关系</a:t>
-            </a:r>
-            <a:endParaRPr lang="en-US" altLang="zh-CN" sz="1500" dirty="0"/>
-          </a:p>
-          <a:p>
-            <a:pPr lvl="1"/>
-            <a:r>
-              <a:rPr lang="zh-CN" altLang="en-US" sz="1500" dirty="0"/>
-              <a:t>在</a:t>
-            </a:r>
-            <a:r>
-              <a:rPr lang="en-US" altLang="zh-CN" sz="1500" dirty="0"/>
-              <a:t>Lex</a:t>
-            </a:r>
-            <a:r>
-              <a:rPr lang="zh-CN" altLang="en-US" sz="1500" dirty="0"/>
-              <a:t>中实现栈</a:t>
-            </a:r>
-            <a:endParaRPr lang="en-US" altLang="zh-CN" sz="1500" dirty="0"/>
-          </a:p>
-          <a:p>
-            <a:r>
-              <a:rPr lang="zh-CN" altLang="en-US" sz="1500" dirty="0"/>
-              <a:t>参考阅读 </a:t>
-            </a:r>
-            <a:endParaRPr lang="en-US" altLang="zh-CN" sz="1500" dirty="0"/>
-          </a:p>
-        </p:txBody>
-      </p:sp>
+          </a:blip>
+          <a:stretch>
+            <a:fillRect/>
+          </a:stretch>
+        </p:blipFill>
+        <p:spPr>
+          <a:xfrm>
+            <a:off x="991497" y="1497684"/>
+            <a:ext cx="10058400" cy="4955491"/>
+          </a:xfrm>
+          <a:prstGeom prst="rect">
+            <a:avLst/>
+          </a:prstGeom>
+        </p:spPr>
+      </p:pic>
+      <p:pic>
+        <p:nvPicPr>
+          <p:cNvPr id="6" name="图片 5"/>
+          <p:cNvPicPr>
+            <a:picLocks noChangeAspect="1"/>
+          </p:cNvPicPr>
+          <p:nvPr/>
+        </p:nvPicPr>
+        <p:blipFill>
+          <a:blip r:embed="rId3">
+            <a:extLst>
+              <a:ext uri="{28A0092B-C50C-407E-A947-70E740481C1C}">
+                <a14:useLocalDpi xmlns:a14="http://schemas.microsoft.com/office/drawing/2010/main" val="0"/>
+              </a:ext>
+            </a:extLst>
+          </a:blip>
+          <a:stretch>
+            <a:fillRect/>
+          </a:stretch>
+        </p:blipFill>
+        <p:spPr>
+          <a:xfrm>
+            <a:off x="2729156" y="828320"/>
+            <a:ext cx="6350000" cy="508000"/>
+          </a:xfrm>
+          <a:prstGeom prst="rect">
+            <a:avLst/>
+          </a:prstGeom>
+        </p:spPr>
+      </p:pic>
     </p:spTree>
     <p:extLst>
       <p:ext uri="{BB962C8B-B14F-4D97-AF65-F5344CB8AC3E}">
-        <p14:creationId xmlns:p14="http://schemas.microsoft.com/office/powerpoint/2010/main" val="2098986215"/>
+        <p14:creationId xmlns:p14="http://schemas.microsoft.com/office/powerpoint/2010/main" val="114625656"/>
       </p:ext>
     </p:extLst>
   </p:cSld>
   <p:clrMapOvr>
     <a:masterClrMapping/>
   </p:clrMapOvr>
+  <p:timing>
+    <p:tnLst>
+      <p:par>
+        <p:cTn id="1" dur="indefinite" restart="never" nodeType="tmRoot"/>
+      </p:par>
+    </p:tnLst>
+  </p:timing>
+</p:sld>
+</file>
+
+<file path=ppt/slides/slide9.xml><?xml version="1.0" encoding="utf-8"?>
+<p:sld xmlns:a="http://schemas.openxmlformats.org/drawingml/2006/main" xmlns:r="http://schemas.openxmlformats.org/officeDocument/2006/relationships" xmlns:p="http://schemas.openxmlformats.org/presentationml/2006/main">
+  <p:cSld>
+    <p:spTree>
+      <p:nvGrpSpPr>
+        <p:cNvPr id="1" name=""/>
+        <p:cNvGrpSpPr/>
+        <p:nvPr/>
+      </p:nvGrpSpPr>
+      <p:grpSpPr>
+        <a:xfrm>
+          <a:off x="0" y="0"/>
+          <a:ext cx="0" cy="0"/>
+          <a:chOff x="0" y="0"/>
+          <a:chExt cx="0" cy="0"/>
+        </a:xfrm>
+      </p:grpSpPr>
+      <p:sp>
+        <p:nvSpPr>
+          <p:cNvPr id="2" name="标题 1"/>
+          <p:cNvSpPr>
+            <a:spLocks noGrp="1"/>
+          </p:cNvSpPr>
+          <p:nvPr>
+            <p:ph type="ctrTitle"/>
+          </p:nvPr>
+        </p:nvSpPr>
+        <p:spPr/>
+        <p:txBody>
+          <a:bodyPr/>
+          <a:lstStyle/>
+          <a:p>
+            <a:r>
+              <a:rPr kumimoji="1" lang="en-US" altLang="zh-CN" dirty="0" smtClean="0"/>
+              <a:t>Thank you for </a:t>
+            </a:r>
+            <a:r>
+              <a:rPr kumimoji="1" lang="en-US" altLang="zh-CN" dirty="0" err="1" smtClean="0"/>
+              <a:t>youR</a:t>
+            </a:r>
+            <a:r>
+              <a:rPr kumimoji="1" lang="en-US" altLang="zh-CN" dirty="0" smtClean="0"/>
+              <a:t> time!</a:t>
+            </a:r>
+            <a:endParaRPr kumimoji="1" lang="zh-CN" altLang="en-US" dirty="0"/>
+          </a:p>
+        </p:txBody>
+      </p:sp>
+    </p:spTree>
+    <p:extLst>
+      <p:ext uri="{BB962C8B-B14F-4D97-AF65-F5344CB8AC3E}">
+        <p14:creationId xmlns:p14="http://schemas.microsoft.com/office/powerpoint/2010/main" val="64771609"/>
+      </p:ext>
+    </p:extLst>
+  </p:cSld>
+  <p:clrMapOvr>
+    <a:masterClrMapping/>
+  </p:clrMapOvr>
+  <p:timing>
+    <p:tnLst>
+      <p:par>
+        <p:cTn id="1" dur="indefinite" restart="never" nodeType="tmRoot"/>
+      </p:par>
+    </p:tnLst>
+  </p:timing>
 </p:sld>
 </file>
 
